--- a/XI class/02. DS and Algo - Module 2/01. Масиви-Arrays/01. Arrays-Basics.pptx
+++ b/XI class/02. DS and Algo - Module 2/01. Масиви-Arrays/01. Arrays-Basics.pptx
@@ -301,7 +301,7 @@
           <a:p>
             <a:fld id="{4E087215-0C8F-4762-A664-737A353EC9A4}" type="datetimeFigureOut">
               <a:rPr lang="bg-BG" smtClean="0"/>
-              <a:t>17.9.2023 г.</a:t>
+              <a:t>10.2.2025 г.</a:t>
             </a:fld>
             <a:endParaRPr lang="bg-BG"/>
           </a:p>
@@ -497,7 +497,7 @@
           <a:p>
             <a:fld id="{72D84649-876A-46C9-8472-14CB09C070D8}" type="datetimeFigureOut">
               <a:rPr lang="en-US" smtClean="0"/>
-              <a:t>9/17/2023</a:t>
+              <a:t>2/10/2025</a:t>
             </a:fld>
             <a:endParaRPr lang="en-US"/>
           </a:p>
@@ -10503,7 +10503,7 @@
               <a:rPr lang="en-US" sz="2800" b="1" noProof="1">
                 <a:latin typeface="Consolas" pitchFamily="49" charset="0"/>
               </a:rPr>
-              <a:t>('</a:t>
+              <a:t>(“</a:t>
             </a:r>
             <a:r>
               <a:rPr lang="bg-BG" sz="2800" b="1" noProof="1">
@@ -10515,7 +10515,7 @@
               <a:rPr lang="en-US" sz="2800" b="1" noProof="1">
                 <a:latin typeface="Consolas" pitchFamily="49" charset="0"/>
               </a:rPr>
-              <a:t> ')</a:t>
+              <a:t> “)</a:t>
             </a:r>
           </a:p>
           <a:p>
@@ -11562,7 +11562,7 @@
                 </a:solidFill>
                 <a:latin typeface="Consolas"/>
               </a:rPr>
-              <a:t>string.Join(", ", arr)</a:t>
+              <a:t>string.Join(“&lt;&gt;", arr)</a:t>
             </a:r>
             <a:r>
               <a:rPr lang="en-US" sz="2350" b="1" noProof="1">
@@ -11577,7 +11577,7 @@
                 </a:solidFill>
                 <a:latin typeface="Consolas"/>
               </a:rPr>
-              <a:t>// 1, 2, 3</a:t>
+              <a:t>// 1&lt;&gt;2&lt;&gt;3</a:t>
             </a:r>
           </a:p>
           <a:p>
@@ -11633,7 +11633,7 @@
                 </a:solidFill>
                 <a:latin typeface="Consolas"/>
               </a:rPr>
-              <a:t>// едно - две</a:t>
+              <a:t>// one - two</a:t>
             </a:r>
           </a:p>
         </p:txBody>
